--- a/Day1/1d_Likelihoods/Likelihoods.pptx
+++ b/Day1/1d_Likelihoods/Likelihoods.pptx
@@ -122,6 +122,11 @@
       </a:defRPr>
     </a:lvl9pPr>
   </p:defaultTextStyle>
+  <p:extLst>
+    <p:ext uri="{EFAFB233-063F-42B5-8137-9DF3F51BA10A}">
+      <p15:sldGuideLst xmlns:p15="http://schemas.microsoft.com/office/powerpoint/2012/main"/>
+    </p:ext>
+  </p:extLst>
 </p:presentation>
 </file>
 
@@ -276,7 +281,7 @@
           <a:p>
             <a:fld id="{0245D24E-EE67-4579-8122-CD49CB25B315}" type="datetimeFigureOut">
               <a:rPr lang="en-US" smtClean="0"/>
-              <a:t>3/11/2018</a:t>
+              <a:t>3/12/2018</a:t>
             </a:fld>
             <a:endParaRPr lang="en-US"/>
           </a:p>
@@ -474,7 +479,7 @@
           <a:p>
             <a:fld id="{0245D24E-EE67-4579-8122-CD49CB25B315}" type="datetimeFigureOut">
               <a:rPr lang="en-US" smtClean="0"/>
-              <a:t>3/11/2018</a:t>
+              <a:t>3/12/2018</a:t>
             </a:fld>
             <a:endParaRPr lang="en-US"/>
           </a:p>
@@ -682,7 +687,7 @@
           <a:p>
             <a:fld id="{0245D24E-EE67-4579-8122-CD49CB25B315}" type="datetimeFigureOut">
               <a:rPr lang="en-US" smtClean="0"/>
-              <a:t>3/11/2018</a:t>
+              <a:t>3/12/2018</a:t>
             </a:fld>
             <a:endParaRPr lang="en-US"/>
           </a:p>
@@ -912,7 +917,7 @@
           <a:p>
             <a:fld id="{0245D24E-EE67-4579-8122-CD49CB25B315}" type="datetimeFigureOut">
               <a:rPr lang="en-US" smtClean="0"/>
-              <a:t>3/11/2018</a:t>
+              <a:t>3/12/2018</a:t>
             </a:fld>
             <a:endParaRPr lang="en-US"/>
           </a:p>
@@ -1187,7 +1192,7 @@
           <a:p>
             <a:fld id="{0245D24E-EE67-4579-8122-CD49CB25B315}" type="datetimeFigureOut">
               <a:rPr lang="en-US" smtClean="0"/>
-              <a:t>3/11/2018</a:t>
+              <a:t>3/12/2018</a:t>
             </a:fld>
             <a:endParaRPr lang="en-US"/>
           </a:p>
@@ -1452,7 +1457,7 @@
           <a:p>
             <a:fld id="{0245D24E-EE67-4579-8122-CD49CB25B315}" type="datetimeFigureOut">
               <a:rPr lang="en-US" smtClean="0"/>
-              <a:t>3/11/2018</a:t>
+              <a:t>3/12/2018</a:t>
             </a:fld>
             <a:endParaRPr lang="en-US"/>
           </a:p>
@@ -1864,7 +1869,7 @@
           <a:p>
             <a:fld id="{0245D24E-EE67-4579-8122-CD49CB25B315}" type="datetimeFigureOut">
               <a:rPr lang="en-US" smtClean="0"/>
-              <a:t>3/11/2018</a:t>
+              <a:t>3/12/2018</a:t>
             </a:fld>
             <a:endParaRPr lang="en-US"/>
           </a:p>
@@ -2005,7 +2010,7 @@
           <a:p>
             <a:fld id="{0245D24E-EE67-4579-8122-CD49CB25B315}" type="datetimeFigureOut">
               <a:rPr lang="en-US" smtClean="0"/>
-              <a:t>3/11/2018</a:t>
+              <a:t>3/12/2018</a:t>
             </a:fld>
             <a:endParaRPr lang="en-US"/>
           </a:p>
@@ -2118,7 +2123,7 @@
           <a:p>
             <a:fld id="{0245D24E-EE67-4579-8122-CD49CB25B315}" type="datetimeFigureOut">
               <a:rPr lang="en-US" smtClean="0"/>
-              <a:t>3/11/2018</a:t>
+              <a:t>3/12/2018</a:t>
             </a:fld>
             <a:endParaRPr lang="en-US"/>
           </a:p>
@@ -2429,7 +2434,7 @@
           <a:p>
             <a:fld id="{0245D24E-EE67-4579-8122-CD49CB25B315}" type="datetimeFigureOut">
               <a:rPr lang="en-US" smtClean="0"/>
-              <a:t>3/11/2018</a:t>
+              <a:t>3/12/2018</a:t>
             </a:fld>
             <a:endParaRPr lang="en-US"/>
           </a:p>
@@ -2717,7 +2722,7 @@
           <a:p>
             <a:fld id="{0245D24E-EE67-4579-8122-CD49CB25B315}" type="datetimeFigureOut">
               <a:rPr lang="en-US" smtClean="0"/>
-              <a:t>3/11/2018</a:t>
+              <a:t>3/12/2018</a:t>
             </a:fld>
             <a:endParaRPr lang="en-US"/>
           </a:p>
@@ -2958,7 +2963,7 @@
           <a:p>
             <a:fld id="{0245D24E-EE67-4579-8122-CD49CB25B315}" type="datetimeFigureOut">
               <a:rPr lang="en-US" smtClean="0"/>
-              <a:t>3/11/2018</a:t>
+              <a:t>3/12/2018</a:t>
             </a:fld>
             <a:endParaRPr lang="en-US"/>
           </a:p>
@@ -4401,8 +4406,8 @@
           </a:p>
         </p:txBody>
       </p:sp>
-      <mc:AlternateContent xmlns:mc="http://schemas.openxmlformats.org/markup-compatibility/2006">
-        <mc:Choice xmlns:a14="http://schemas.microsoft.com/office/drawing/2010/main" Requires="a14">
+      <mc:AlternateContent xmlns:mc="http://schemas.openxmlformats.org/markup-compatibility/2006" xmlns:a14="http://schemas.microsoft.com/office/drawing/2010/main">
+        <mc:Choice Requires="a14">
           <p:sp>
             <p:nvSpPr>
               <p:cNvPr id="3" name="Content Placeholder 2">
@@ -4845,7 +4850,7 @@
             </p:txBody>
           </p:sp>
         </mc:Choice>
-        <mc:Fallback>
+        <mc:Fallback xmlns="">
           <p:sp>
             <p:nvSpPr>
               <p:cNvPr id="3" name="Content Placeholder 2">
@@ -5486,8 +5491,8 @@
           </a:p>
         </p:txBody>
       </p:sp>
-      <mc:AlternateContent xmlns:mc="http://schemas.openxmlformats.org/markup-compatibility/2006">
-        <mc:Choice xmlns:a14="http://schemas.microsoft.com/office/drawing/2010/main" Requires="a14">
+      <mc:AlternateContent xmlns:mc="http://schemas.openxmlformats.org/markup-compatibility/2006" xmlns:a14="http://schemas.microsoft.com/office/drawing/2010/main">
+        <mc:Choice Requires="a14">
           <p:sp>
             <p:nvSpPr>
               <p:cNvPr id="6" name="TextBox 5">
@@ -5553,14 +5558,7 @@
                           <a:latin typeface="Cambria Math" panose="02040503050406030204" pitchFamily="18" charset="0"/>
                           <a:ea typeface="Cambria Math" panose="02040503050406030204" pitchFamily="18" charset="0"/>
                         </a:rPr>
-                        <m:t>𝐷</m:t>
-                      </m:r>
-                      <m:r>
-                        <a:rPr lang="en-US" sz="3600" b="0" i="1" smtClean="0">
-                          <a:latin typeface="Cambria Math" panose="02040503050406030204" pitchFamily="18" charset="0"/>
-                          <a:ea typeface="Cambria Math" panose="02040503050406030204" pitchFamily="18" charset="0"/>
-                        </a:rPr>
-                        <m:t>𝑎𝑡𝑎</m:t>
+                        <m:t>𝐷𝑎𝑡𝑎</m:t>
                       </m:r>
                       <m:r>
                         <a:rPr lang="en-US" sz="3600" b="0" i="1" smtClean="0">
@@ -5577,7 +5575,7 @@
             </p:txBody>
           </p:sp>
         </mc:Choice>
-        <mc:Fallback>
+        <mc:Fallback xmlns="">
           <p:sp>
             <p:nvSpPr>
               <p:cNvPr id="6" name="TextBox 5">
@@ -5859,7 +5857,7 @@
           <a:graphicData uri="http://schemas.openxmlformats.org/presentationml/2006/ole">
             <mc:AlternateContent xmlns:mc="http://schemas.openxmlformats.org/markup-compatibility/2006">
               <mc:Choice xmlns:v="urn:schemas-microsoft-com:vml" Requires="v">
-                <p:oleObj spid="_x0000_s1052" name="Equation" r:id="rId3" imgW="1790700" imgH="228600" progId="Equation.DSMT4">
+                <p:oleObj spid="_x0000_s1054" name="Equation" r:id="rId3" imgW="1790700" imgH="228600" progId="Equation.DSMT4">
                   <p:embed/>
                 </p:oleObj>
               </mc:Choice>
@@ -6562,8 +6560,8 @@
           </a:p>
         </p:txBody>
       </p:sp>
-      <mc:AlternateContent xmlns:mc="http://schemas.openxmlformats.org/markup-compatibility/2006">
-        <mc:Choice xmlns:a14="http://schemas.microsoft.com/office/drawing/2010/main" Requires="a14">
+      <mc:AlternateContent xmlns:mc="http://schemas.openxmlformats.org/markup-compatibility/2006" xmlns:a14="http://schemas.microsoft.com/office/drawing/2010/main">
+        <mc:Choice Requires="a14">
           <p:sp>
             <p:nvSpPr>
               <p:cNvPr id="3" name="Content Placeholder 2">
@@ -6764,7 +6762,7 @@
             </p:txBody>
           </p:sp>
         </mc:Choice>
-        <mc:Fallback>
+        <mc:Fallback xmlns="">
           <p:sp>
             <p:nvSpPr>
               <p:cNvPr id="3" name="Content Placeholder 2">
